--- a/labs/lab05/presentation/presentation.pptx
+++ b/labs/lab05/presentation/presentation.pptx
@@ -3281,7 +3281,7 @@
             </a:pPr>
             <a:r>
               <a:rPr/>
-              <a:t>В ходе выполнения данной лабораторной работы, я приобрела навыки владения инструментами поиска файлов, также практические навыки по управлению процессами, по обслуживанию файловых систем</a:t>
+              <a:t>В ходе данной лабораторной работе я приобрела навыки и ознаокмилась с файловой системой Linux, также ее структурой, содержанием каталогов и именами</a:t>
             </a:r>
           </a:p>
         </p:txBody>
